--- a/pictures/DesignForNewNet.pptx
+++ b/pictures/DesignForNewNet.pptx
@@ -6,6 +6,7 @@
   </p:sldMasterIdLst>
   <p:sldIdLst>
     <p:sldId id="256" r:id="rId2"/>
+    <p:sldId id="257" r:id="rId3"/>
   </p:sldIdLst>
   <p:sldSz cx="9144000" cy="6858000" type="screen4x3"/>
   <p:notesSz cx="6858000" cy="9144000"/>
@@ -6286,7 +6287,7 @@
           <a:lstStyle/>
           <a:p>
             <a:pPr algn="ctr"/>
-            <a:endParaRPr lang="en-US"/>
+            <a:endParaRPr lang="en-US" dirty="0"/>
           </a:p>
         </p:txBody>
       </p:sp>
@@ -6340,10 +6341,1468 @@
           </a:p>
         </p:txBody>
       </p:sp>
+      <p:sp>
+        <p:nvSpPr>
+          <p:cNvPr id="115" name="TextBox 114"/>
+          <p:cNvSpPr txBox="1"/>
+          <p:nvPr/>
+        </p:nvSpPr>
+        <p:spPr>
+          <a:xfrm rot="16200000">
+            <a:off x="-875268" y="1891263"/>
+            <a:ext cx="2755900" cy="369332"/>
+          </a:xfrm>
+          <a:prstGeom prst="rect">
+            <a:avLst/>
+          </a:prstGeom>
+          <a:noFill/>
+        </p:spPr>
+        <p:txBody>
+          <a:bodyPr wrap="square" rtlCol="0">
+            <a:spAutoFit/>
+          </a:bodyPr>
+          <a:lstStyle/>
+          <a:p>
+            <a:r>
+              <a:rPr lang="en-US" dirty="0" smtClean="0"/>
+              <a:t>U-shaped channel</a:t>
+            </a:r>
+            <a:endParaRPr lang="en-US" dirty="0"/>
+          </a:p>
+        </p:txBody>
+      </p:sp>
+      <p:sp>
+        <p:nvSpPr>
+          <p:cNvPr id="116" name="TextBox 115"/>
+          <p:cNvSpPr txBox="1"/>
+          <p:nvPr/>
+        </p:nvSpPr>
+        <p:spPr>
+          <a:xfrm rot="16200000">
+            <a:off x="-959168" y="1951845"/>
+            <a:ext cx="3846433" cy="369332"/>
+          </a:xfrm>
+          <a:prstGeom prst="rect">
+            <a:avLst/>
+          </a:prstGeom>
+          <a:noFill/>
+        </p:spPr>
+        <p:txBody>
+          <a:bodyPr wrap="square" rtlCol="0">
+            <a:spAutoFit/>
+          </a:bodyPr>
+          <a:lstStyle/>
+          <a:p>
+            <a:r>
+              <a:rPr lang="en-US" dirty="0" smtClean="0"/>
+              <a:t>Acrylic with every-other hole cut</a:t>
+            </a:r>
+            <a:endParaRPr lang="en-US" dirty="0"/>
+          </a:p>
+        </p:txBody>
+      </p:sp>
+      <p:sp>
+        <p:nvSpPr>
+          <p:cNvPr id="117" name="TextBox 116"/>
+          <p:cNvSpPr txBox="1"/>
+          <p:nvPr/>
+        </p:nvSpPr>
+        <p:spPr>
+          <a:xfrm rot="16200000">
+            <a:off x="6165533" y="2179142"/>
+            <a:ext cx="3846433" cy="369332"/>
+          </a:xfrm>
+          <a:prstGeom prst="rect">
+            <a:avLst/>
+          </a:prstGeom>
+          <a:noFill/>
+        </p:spPr>
+        <p:txBody>
+          <a:bodyPr wrap="square" rtlCol="0">
+            <a:spAutoFit/>
+          </a:bodyPr>
+          <a:lstStyle/>
+          <a:p>
+            <a:r>
+              <a:rPr lang="en-US" dirty="0" smtClean="0"/>
+              <a:t>Acrylic with every-other hole cut</a:t>
+            </a:r>
+            <a:endParaRPr lang="en-US" dirty="0"/>
+          </a:p>
+        </p:txBody>
+      </p:sp>
+      <p:sp>
+        <p:nvSpPr>
+          <p:cNvPr id="118" name="TextBox 117"/>
+          <p:cNvSpPr txBox="1"/>
+          <p:nvPr/>
+        </p:nvSpPr>
+        <p:spPr>
+          <a:xfrm rot="16200000">
+            <a:off x="-534751" y="2179140"/>
+            <a:ext cx="3846433" cy="369332"/>
+          </a:xfrm>
+          <a:prstGeom prst="rect">
+            <a:avLst/>
+          </a:prstGeom>
+          <a:noFill/>
+        </p:spPr>
+        <p:txBody>
+          <a:bodyPr wrap="square" rtlCol="0">
+            <a:spAutoFit/>
+          </a:bodyPr>
+          <a:lstStyle/>
+          <a:p>
+            <a:r>
+              <a:rPr lang="en-US" dirty="0" smtClean="0"/>
+              <a:t>Acrylic with every hole cut</a:t>
+            </a:r>
+            <a:endParaRPr lang="en-US" dirty="0"/>
+          </a:p>
+        </p:txBody>
+      </p:sp>
+      <p:sp>
+        <p:nvSpPr>
+          <p:cNvPr id="119" name="TextBox 118"/>
+          <p:cNvSpPr txBox="1"/>
+          <p:nvPr/>
+        </p:nvSpPr>
+        <p:spPr>
+          <a:xfrm rot="16200000">
+            <a:off x="2504917" y="2314609"/>
+            <a:ext cx="3846433" cy="369332"/>
+          </a:xfrm>
+          <a:prstGeom prst="rect">
+            <a:avLst/>
+          </a:prstGeom>
+          <a:noFill/>
+        </p:spPr>
+        <p:txBody>
+          <a:bodyPr wrap="square" rtlCol="0">
+            <a:spAutoFit/>
+          </a:bodyPr>
+          <a:lstStyle/>
+          <a:p>
+            <a:r>
+              <a:rPr lang="en-US" dirty="0" smtClean="0"/>
+              <a:t>Acrylic with every hole cut</a:t>
+            </a:r>
+            <a:endParaRPr lang="en-US" dirty="0"/>
+          </a:p>
+        </p:txBody>
+      </p:sp>
+      <p:sp>
+        <p:nvSpPr>
+          <p:cNvPr id="120" name="TextBox 119"/>
+          <p:cNvSpPr txBox="1"/>
+          <p:nvPr/>
+        </p:nvSpPr>
+        <p:spPr>
+          <a:xfrm rot="16200000">
+            <a:off x="5739050" y="2379779"/>
+            <a:ext cx="3846433" cy="369332"/>
+          </a:xfrm>
+          <a:prstGeom prst="rect">
+            <a:avLst/>
+          </a:prstGeom>
+          <a:noFill/>
+        </p:spPr>
+        <p:txBody>
+          <a:bodyPr wrap="square" rtlCol="0">
+            <a:spAutoFit/>
+          </a:bodyPr>
+          <a:lstStyle/>
+          <a:p>
+            <a:r>
+              <a:rPr lang="en-US" dirty="0" smtClean="0"/>
+              <a:t>Acrylic with every hole cut</a:t>
+            </a:r>
+            <a:endParaRPr lang="en-US" dirty="0"/>
+          </a:p>
+        </p:txBody>
+      </p:sp>
+      <p:sp>
+        <p:nvSpPr>
+          <p:cNvPr id="121" name="TextBox 120"/>
+          <p:cNvSpPr txBox="1"/>
+          <p:nvPr/>
+        </p:nvSpPr>
+        <p:spPr>
+          <a:xfrm rot="16200000">
+            <a:off x="7179866" y="2287079"/>
+            <a:ext cx="2755900" cy="369332"/>
+          </a:xfrm>
+          <a:prstGeom prst="rect">
+            <a:avLst/>
+          </a:prstGeom>
+          <a:noFill/>
+        </p:spPr>
+        <p:txBody>
+          <a:bodyPr wrap="square" rtlCol="0">
+            <a:spAutoFit/>
+          </a:bodyPr>
+          <a:lstStyle/>
+          <a:p>
+            <a:r>
+              <a:rPr lang="en-US" dirty="0" smtClean="0"/>
+              <a:t>U-shaped channel</a:t>
+            </a:r>
+            <a:endParaRPr lang="en-US" dirty="0"/>
+          </a:p>
+        </p:txBody>
+      </p:sp>
+      <p:sp>
+        <p:nvSpPr>
+          <p:cNvPr id="122" name="Rectangle 121"/>
+          <p:cNvSpPr/>
+          <p:nvPr/>
+        </p:nvSpPr>
+        <p:spPr>
+          <a:xfrm>
+            <a:off x="1071755" y="17258"/>
+            <a:ext cx="197484" cy="6840742"/>
+          </a:xfrm>
+          <a:prstGeom prst="rect">
+            <a:avLst/>
+          </a:prstGeom>
+          <a:solidFill>
+            <a:schemeClr val="accent6">
+              <a:lumMod val="75000"/>
+              <a:alpha val="28000"/>
+            </a:schemeClr>
+          </a:solidFill>
+          <a:ln>
+            <a:solidFill>
+              <a:schemeClr val="accent6">
+                <a:lumMod val="50000"/>
+              </a:schemeClr>
+            </a:solidFill>
+          </a:ln>
+        </p:spPr>
+        <p:style>
+          <a:lnRef idx="1">
+            <a:schemeClr val="accent1"/>
+          </a:lnRef>
+          <a:fillRef idx="3">
+            <a:schemeClr val="accent1"/>
+          </a:fillRef>
+          <a:effectRef idx="2">
+            <a:schemeClr val="accent1"/>
+          </a:effectRef>
+          <a:fontRef idx="minor">
+            <a:schemeClr val="lt1"/>
+          </a:fontRef>
+        </p:style>
+        <p:txBody>
+          <a:bodyPr rtlCol="0" anchor="ctr"/>
+          <a:lstStyle/>
+          <a:p>
+            <a:pPr algn="ctr"/>
+            <a:endParaRPr lang="en-US"/>
+          </a:p>
+        </p:txBody>
+      </p:sp>
+      <p:sp>
+        <p:nvSpPr>
+          <p:cNvPr id="123" name="Rectangle 122"/>
+          <p:cNvSpPr/>
+          <p:nvPr/>
+        </p:nvSpPr>
+        <p:spPr>
+          <a:xfrm>
+            <a:off x="7762557" y="-2397"/>
+            <a:ext cx="197484" cy="6840742"/>
+          </a:xfrm>
+          <a:prstGeom prst="rect">
+            <a:avLst/>
+          </a:prstGeom>
+          <a:solidFill>
+            <a:schemeClr val="accent6">
+              <a:lumMod val="75000"/>
+              <a:alpha val="28000"/>
+            </a:schemeClr>
+          </a:solidFill>
+          <a:ln>
+            <a:solidFill>
+              <a:schemeClr val="accent6">
+                <a:lumMod val="50000"/>
+              </a:schemeClr>
+            </a:solidFill>
+          </a:ln>
+        </p:spPr>
+        <p:style>
+          <a:lnRef idx="1">
+            <a:schemeClr val="accent1"/>
+          </a:lnRef>
+          <a:fillRef idx="3">
+            <a:schemeClr val="accent1"/>
+          </a:fillRef>
+          <a:effectRef idx="2">
+            <a:schemeClr val="accent1"/>
+          </a:effectRef>
+          <a:fontRef idx="minor">
+            <a:schemeClr val="lt1"/>
+          </a:fontRef>
+        </p:style>
+        <p:txBody>
+          <a:bodyPr rtlCol="0" anchor="ctr"/>
+          <a:lstStyle/>
+          <a:p>
+            <a:pPr algn="ctr"/>
+            <a:endParaRPr lang="en-US"/>
+          </a:p>
+        </p:txBody>
+      </p:sp>
+      <p:sp>
+        <p:nvSpPr>
+          <p:cNvPr id="124" name="TextBox 123"/>
+          <p:cNvSpPr txBox="1"/>
+          <p:nvPr/>
+        </p:nvSpPr>
+        <p:spPr>
+          <a:xfrm>
+            <a:off x="1129475" y="6557758"/>
+            <a:ext cx="3541045" cy="369332"/>
+          </a:xfrm>
+          <a:prstGeom prst="rect">
+            <a:avLst/>
+          </a:prstGeom>
+          <a:noFill/>
+        </p:spPr>
+        <p:txBody>
+          <a:bodyPr wrap="square" rtlCol="0">
+            <a:spAutoFit/>
+          </a:bodyPr>
+          <a:lstStyle/>
+          <a:p>
+            <a:r>
+              <a:rPr lang="en-US" dirty="0" smtClean="0"/>
+              <a:t>Orange fiberglass rods for rigidity</a:t>
+            </a:r>
+            <a:endParaRPr lang="en-US" dirty="0"/>
+          </a:p>
+        </p:txBody>
+      </p:sp>
     </p:spTree>
     <p:extLst>
       <p:ext uri="{BB962C8B-B14F-4D97-AF65-F5344CB8AC3E}">
         <p14:creationId xmlns:p14="http://schemas.microsoft.com/office/powerpoint/2010/main" val="3441599748"/>
+      </p:ext>
+    </p:extLst>
+  </p:cSld>
+  <p:clrMapOvr>
+    <a:masterClrMapping/>
+  </p:clrMapOvr>
+</p:sld>
+</file>
+
+<file path=ppt/slides/slide2.xml><?xml version="1.0" encoding="utf-8"?>
+<p:sld xmlns:a="http://schemas.openxmlformats.org/drawingml/2006/main" xmlns:r="http://schemas.openxmlformats.org/officeDocument/2006/relationships" xmlns:p="http://schemas.openxmlformats.org/presentationml/2006/main">
+  <p:cSld>
+    <p:spTree>
+      <p:nvGrpSpPr>
+        <p:cNvPr id="1" name=""/>
+        <p:cNvGrpSpPr/>
+        <p:nvPr/>
+      </p:nvGrpSpPr>
+      <p:grpSpPr>
+        <a:xfrm>
+          <a:off x="0" y="0"/>
+          <a:ext cx="0" cy="0"/>
+          <a:chOff x="0" y="0"/>
+          <a:chExt cx="0" cy="0"/>
+        </a:xfrm>
+      </p:grpSpPr>
+      <p:sp>
+        <p:nvSpPr>
+          <p:cNvPr id="2" name="Title 1"/>
+          <p:cNvSpPr>
+            <a:spLocks noGrp="1"/>
+          </p:cNvSpPr>
+          <p:nvPr>
+            <p:ph type="title"/>
+          </p:nvPr>
+        </p:nvSpPr>
+        <p:spPr>
+          <a:xfrm>
+            <a:off x="399480" y="0"/>
+            <a:ext cx="8229600" cy="1143000"/>
+          </a:xfrm>
+        </p:spPr>
+        <p:txBody>
+          <a:bodyPr/>
+          <a:lstStyle/>
+          <a:p>
+            <a:r>
+              <a:rPr lang="en-US" dirty="0" smtClean="0"/>
+              <a:t>End-view</a:t>
+            </a:r>
+            <a:endParaRPr lang="en-US" dirty="0"/>
+          </a:p>
+        </p:txBody>
+      </p:sp>
+      <p:sp>
+        <p:nvSpPr>
+          <p:cNvPr id="5" name="Rectangle 4"/>
+          <p:cNvSpPr/>
+          <p:nvPr/>
+        </p:nvSpPr>
+        <p:spPr>
+          <a:xfrm>
+            <a:off x="1477313" y="4143724"/>
+            <a:ext cx="403065" cy="1295725"/>
+          </a:xfrm>
+          <a:prstGeom prst="rect">
+            <a:avLst/>
+          </a:prstGeom>
+          <a:solidFill>
+            <a:schemeClr val="accent2">
+              <a:lumMod val="60000"/>
+              <a:lumOff val="40000"/>
+            </a:schemeClr>
+          </a:solidFill>
+        </p:spPr>
+        <p:style>
+          <a:lnRef idx="1">
+            <a:schemeClr val="accent2"/>
+          </a:lnRef>
+          <a:fillRef idx="3">
+            <a:schemeClr val="accent2"/>
+          </a:fillRef>
+          <a:effectRef idx="2">
+            <a:schemeClr val="accent2"/>
+          </a:effectRef>
+          <a:fontRef idx="minor">
+            <a:schemeClr val="lt1"/>
+          </a:fontRef>
+        </p:style>
+        <p:txBody>
+          <a:bodyPr rtlCol="0" anchor="ctr"/>
+          <a:lstStyle/>
+          <a:p>
+            <a:pPr algn="ctr"/>
+            <a:endParaRPr lang="en-US"/>
+          </a:p>
+        </p:txBody>
+      </p:sp>
+      <p:sp>
+        <p:nvSpPr>
+          <p:cNvPr id="6" name="Rectangle 5"/>
+          <p:cNvSpPr/>
+          <p:nvPr/>
+        </p:nvSpPr>
+        <p:spPr>
+          <a:xfrm>
+            <a:off x="4550713" y="4143724"/>
+            <a:ext cx="403065" cy="1295725"/>
+          </a:xfrm>
+          <a:prstGeom prst="rect">
+            <a:avLst/>
+          </a:prstGeom>
+          <a:solidFill>
+            <a:schemeClr val="accent2">
+              <a:lumMod val="60000"/>
+              <a:lumOff val="40000"/>
+            </a:schemeClr>
+          </a:solidFill>
+        </p:spPr>
+        <p:style>
+          <a:lnRef idx="1">
+            <a:schemeClr val="accent2"/>
+          </a:lnRef>
+          <a:fillRef idx="3">
+            <a:schemeClr val="accent2"/>
+          </a:fillRef>
+          <a:effectRef idx="2">
+            <a:schemeClr val="accent2"/>
+          </a:effectRef>
+          <a:fontRef idx="minor">
+            <a:schemeClr val="lt1"/>
+          </a:fontRef>
+        </p:style>
+        <p:txBody>
+          <a:bodyPr rtlCol="0" anchor="ctr"/>
+          <a:lstStyle/>
+          <a:p>
+            <a:pPr algn="ctr"/>
+            <a:endParaRPr lang="en-US"/>
+          </a:p>
+        </p:txBody>
+      </p:sp>
+      <p:sp>
+        <p:nvSpPr>
+          <p:cNvPr id="7" name="Rectangle 6"/>
+          <p:cNvSpPr/>
+          <p:nvPr/>
+        </p:nvSpPr>
+        <p:spPr>
+          <a:xfrm>
+            <a:off x="1072580" y="4143724"/>
+            <a:ext cx="403065" cy="1295725"/>
+          </a:xfrm>
+          <a:prstGeom prst="rect">
+            <a:avLst/>
+          </a:prstGeom>
+          <a:solidFill>
+            <a:schemeClr val="accent2">
+              <a:lumMod val="60000"/>
+              <a:lumOff val="40000"/>
+            </a:schemeClr>
+          </a:solidFill>
+        </p:spPr>
+        <p:style>
+          <a:lnRef idx="1">
+            <a:schemeClr val="accent2"/>
+          </a:lnRef>
+          <a:fillRef idx="3">
+            <a:schemeClr val="accent2"/>
+          </a:fillRef>
+          <a:effectRef idx="2">
+            <a:schemeClr val="accent2"/>
+          </a:effectRef>
+          <a:fontRef idx="minor">
+            <a:schemeClr val="lt1"/>
+          </a:fontRef>
+        </p:style>
+        <p:txBody>
+          <a:bodyPr rtlCol="0" anchor="ctr"/>
+          <a:lstStyle/>
+          <a:p>
+            <a:pPr algn="ctr"/>
+            <a:endParaRPr lang="en-US"/>
+          </a:p>
+        </p:txBody>
+      </p:sp>
+      <p:sp>
+        <p:nvSpPr>
+          <p:cNvPr id="8" name="Rectangle 7"/>
+          <p:cNvSpPr/>
+          <p:nvPr/>
+        </p:nvSpPr>
+        <p:spPr>
+          <a:xfrm>
+            <a:off x="8154178" y="4143724"/>
+            <a:ext cx="403065" cy="1295725"/>
+          </a:xfrm>
+          <a:prstGeom prst="rect">
+            <a:avLst/>
+          </a:prstGeom>
+          <a:solidFill>
+            <a:schemeClr val="accent2">
+              <a:lumMod val="60000"/>
+              <a:lumOff val="40000"/>
+            </a:schemeClr>
+          </a:solidFill>
+        </p:spPr>
+        <p:style>
+          <a:lnRef idx="1">
+            <a:schemeClr val="accent2"/>
+          </a:lnRef>
+          <a:fillRef idx="3">
+            <a:schemeClr val="accent2"/>
+          </a:fillRef>
+          <a:effectRef idx="2">
+            <a:schemeClr val="accent2"/>
+          </a:effectRef>
+          <a:fontRef idx="minor">
+            <a:schemeClr val="lt1"/>
+          </a:fontRef>
+        </p:style>
+        <p:txBody>
+          <a:bodyPr rtlCol="0" anchor="ctr"/>
+          <a:lstStyle/>
+          <a:p>
+            <a:pPr algn="ctr"/>
+            <a:endParaRPr lang="en-US"/>
+          </a:p>
+        </p:txBody>
+      </p:sp>
+      <p:sp>
+        <p:nvSpPr>
+          <p:cNvPr id="9" name="Rectangle 8"/>
+          <p:cNvSpPr/>
+          <p:nvPr/>
+        </p:nvSpPr>
+        <p:spPr>
+          <a:xfrm>
+            <a:off x="7751113" y="4143724"/>
+            <a:ext cx="403065" cy="1295725"/>
+          </a:xfrm>
+          <a:prstGeom prst="rect">
+            <a:avLst/>
+          </a:prstGeom>
+          <a:solidFill>
+            <a:schemeClr val="accent2">
+              <a:lumMod val="60000"/>
+              <a:lumOff val="40000"/>
+            </a:schemeClr>
+          </a:solidFill>
+        </p:spPr>
+        <p:style>
+          <a:lnRef idx="1">
+            <a:schemeClr val="accent2"/>
+          </a:lnRef>
+          <a:fillRef idx="3">
+            <a:schemeClr val="accent2"/>
+          </a:fillRef>
+          <a:effectRef idx="2">
+            <a:schemeClr val="accent2"/>
+          </a:effectRef>
+          <a:fontRef idx="minor">
+            <a:schemeClr val="lt1"/>
+          </a:fontRef>
+        </p:style>
+        <p:txBody>
+          <a:bodyPr rtlCol="0" anchor="ctr"/>
+          <a:lstStyle/>
+          <a:p>
+            <a:pPr algn="ctr"/>
+            <a:endParaRPr lang="en-US"/>
+          </a:p>
+        </p:txBody>
+      </p:sp>
+      <p:sp>
+        <p:nvSpPr>
+          <p:cNvPr id="11" name="Rectangle 10"/>
+          <p:cNvSpPr/>
+          <p:nvPr/>
+        </p:nvSpPr>
+        <p:spPr>
+          <a:xfrm>
+            <a:off x="1477313" y="4768727"/>
+            <a:ext cx="7415133" cy="45719"/>
+          </a:xfrm>
+          <a:prstGeom prst="rect">
+            <a:avLst/>
+          </a:prstGeom>
+          <a:gradFill>
+            <a:gsLst>
+              <a:gs pos="87000">
+                <a:srgbClr val="804000"/>
+              </a:gs>
+              <a:gs pos="37000">
+                <a:schemeClr val="accent6">
+                  <a:lumMod val="75000"/>
+                </a:schemeClr>
+              </a:gs>
+              <a:gs pos="2000">
+                <a:srgbClr val="804000"/>
+              </a:gs>
+            </a:gsLst>
+          </a:gradFill>
+          <a:ln>
+            <a:noFill/>
+          </a:ln>
+        </p:spPr>
+        <p:style>
+          <a:lnRef idx="1">
+            <a:schemeClr val="accent1"/>
+          </a:lnRef>
+          <a:fillRef idx="3">
+            <a:schemeClr val="accent1"/>
+          </a:fillRef>
+          <a:effectRef idx="2">
+            <a:schemeClr val="accent1"/>
+          </a:effectRef>
+          <a:fontRef idx="minor">
+            <a:schemeClr val="lt1"/>
+          </a:fontRef>
+        </p:style>
+        <p:txBody>
+          <a:bodyPr rtlCol="0" anchor="ctr"/>
+          <a:lstStyle/>
+          <a:p>
+            <a:pPr algn="ctr"/>
+            <a:endParaRPr lang="en-US"/>
+          </a:p>
+        </p:txBody>
+      </p:sp>
+      <p:sp>
+        <p:nvSpPr>
+          <p:cNvPr id="24" name="Rectangle 23"/>
+          <p:cNvSpPr/>
+          <p:nvPr/>
+        </p:nvSpPr>
+        <p:spPr>
+          <a:xfrm>
+            <a:off x="1477313" y="4723853"/>
+            <a:ext cx="403065" cy="135467"/>
+          </a:xfrm>
+          <a:prstGeom prst="rect">
+            <a:avLst/>
+          </a:prstGeom>
+          <a:solidFill>
+            <a:schemeClr val="accent1">
+              <a:lumMod val="60000"/>
+              <a:lumOff val="40000"/>
+              <a:alpha val="50000"/>
+            </a:schemeClr>
+          </a:solidFill>
+          <a:effectLst/>
+        </p:spPr>
+        <p:style>
+          <a:lnRef idx="1">
+            <a:schemeClr val="accent1"/>
+          </a:lnRef>
+          <a:fillRef idx="3">
+            <a:schemeClr val="accent1"/>
+          </a:fillRef>
+          <a:effectRef idx="2">
+            <a:schemeClr val="accent1"/>
+          </a:effectRef>
+          <a:fontRef idx="minor">
+            <a:schemeClr val="lt1"/>
+          </a:fontRef>
+        </p:style>
+        <p:txBody>
+          <a:bodyPr rtlCol="0" anchor="ctr"/>
+          <a:lstStyle/>
+          <a:p>
+            <a:pPr algn="ctr"/>
+            <a:endParaRPr lang="en-US"/>
+          </a:p>
+        </p:txBody>
+      </p:sp>
+      <p:sp>
+        <p:nvSpPr>
+          <p:cNvPr id="36" name="Rectangle 35"/>
+          <p:cNvSpPr/>
+          <p:nvPr/>
+        </p:nvSpPr>
+        <p:spPr>
+          <a:xfrm>
+            <a:off x="4550713" y="4723853"/>
+            <a:ext cx="403065" cy="135467"/>
+          </a:xfrm>
+          <a:prstGeom prst="rect">
+            <a:avLst/>
+          </a:prstGeom>
+          <a:solidFill>
+            <a:schemeClr val="accent1">
+              <a:lumMod val="60000"/>
+              <a:lumOff val="40000"/>
+              <a:alpha val="50000"/>
+            </a:schemeClr>
+          </a:solidFill>
+          <a:effectLst/>
+        </p:spPr>
+        <p:style>
+          <a:lnRef idx="1">
+            <a:schemeClr val="accent1"/>
+          </a:lnRef>
+          <a:fillRef idx="3">
+            <a:schemeClr val="accent1"/>
+          </a:fillRef>
+          <a:effectRef idx="2">
+            <a:schemeClr val="accent1"/>
+          </a:effectRef>
+          <a:fontRef idx="minor">
+            <a:schemeClr val="lt1"/>
+          </a:fontRef>
+        </p:style>
+        <p:txBody>
+          <a:bodyPr rtlCol="0" anchor="ctr"/>
+          <a:lstStyle/>
+          <a:p>
+            <a:pPr algn="ctr"/>
+            <a:endParaRPr lang="en-US"/>
+          </a:p>
+        </p:txBody>
+      </p:sp>
+      <p:sp>
+        <p:nvSpPr>
+          <p:cNvPr id="54" name="Rectangle 53"/>
+          <p:cNvSpPr/>
+          <p:nvPr/>
+        </p:nvSpPr>
+        <p:spPr>
+          <a:xfrm>
+            <a:off x="8154178" y="4723853"/>
+            <a:ext cx="403065" cy="135467"/>
+          </a:xfrm>
+          <a:prstGeom prst="rect">
+            <a:avLst/>
+          </a:prstGeom>
+          <a:solidFill>
+            <a:schemeClr val="accent1">
+              <a:lumMod val="60000"/>
+              <a:lumOff val="40000"/>
+              <a:alpha val="50000"/>
+            </a:schemeClr>
+          </a:solidFill>
+          <a:effectLst/>
+        </p:spPr>
+        <p:style>
+          <a:lnRef idx="1">
+            <a:schemeClr val="accent1"/>
+          </a:lnRef>
+          <a:fillRef idx="3">
+            <a:schemeClr val="accent1"/>
+          </a:fillRef>
+          <a:effectRef idx="2">
+            <a:schemeClr val="accent1"/>
+          </a:effectRef>
+          <a:fontRef idx="minor">
+            <a:schemeClr val="lt1"/>
+          </a:fontRef>
+        </p:style>
+        <p:txBody>
+          <a:bodyPr rtlCol="0" anchor="ctr"/>
+          <a:lstStyle/>
+          <a:p>
+            <a:pPr algn="ctr"/>
+            <a:endParaRPr lang="en-US"/>
+          </a:p>
+        </p:txBody>
+      </p:sp>
+      <p:sp>
+        <p:nvSpPr>
+          <p:cNvPr id="60" name="Rectangle 59"/>
+          <p:cNvSpPr/>
+          <p:nvPr/>
+        </p:nvSpPr>
+        <p:spPr>
+          <a:xfrm>
+            <a:off x="7751113" y="4723853"/>
+            <a:ext cx="403065" cy="135467"/>
+          </a:xfrm>
+          <a:prstGeom prst="rect">
+            <a:avLst/>
+          </a:prstGeom>
+          <a:solidFill>
+            <a:schemeClr val="accent1">
+              <a:lumMod val="60000"/>
+              <a:lumOff val="40000"/>
+              <a:alpha val="50000"/>
+            </a:schemeClr>
+          </a:solidFill>
+          <a:effectLst/>
+        </p:spPr>
+        <p:style>
+          <a:lnRef idx="1">
+            <a:schemeClr val="accent1"/>
+          </a:lnRef>
+          <a:fillRef idx="3">
+            <a:schemeClr val="accent1"/>
+          </a:fillRef>
+          <a:effectRef idx="2">
+            <a:schemeClr val="accent1"/>
+          </a:effectRef>
+          <a:fontRef idx="minor">
+            <a:schemeClr val="lt1"/>
+          </a:fontRef>
+        </p:style>
+        <p:txBody>
+          <a:bodyPr rtlCol="0" anchor="ctr"/>
+          <a:lstStyle/>
+          <a:p>
+            <a:pPr algn="ctr"/>
+            <a:endParaRPr lang="en-US"/>
+          </a:p>
+        </p:txBody>
+      </p:sp>
+      <p:sp>
+        <p:nvSpPr>
+          <p:cNvPr id="74" name="TextBox 73"/>
+          <p:cNvSpPr txBox="1"/>
+          <p:nvPr/>
+        </p:nvSpPr>
+        <p:spPr>
+          <a:xfrm rot="16200000">
+            <a:off x="-568022" y="2450199"/>
+            <a:ext cx="2755900" cy="369332"/>
+          </a:xfrm>
+          <a:prstGeom prst="rect">
+            <a:avLst/>
+          </a:prstGeom>
+          <a:noFill/>
+        </p:spPr>
+        <p:txBody>
+          <a:bodyPr wrap="square" rtlCol="0">
+            <a:spAutoFit/>
+          </a:bodyPr>
+          <a:lstStyle/>
+          <a:p>
+            <a:r>
+              <a:rPr lang="en-US" dirty="0" smtClean="0"/>
+              <a:t>U-shaped channel</a:t>
+            </a:r>
+            <a:endParaRPr lang="en-US" dirty="0"/>
+          </a:p>
+        </p:txBody>
+      </p:sp>
+      <p:sp>
+        <p:nvSpPr>
+          <p:cNvPr id="75" name="TextBox 74"/>
+          <p:cNvSpPr txBox="1"/>
+          <p:nvPr/>
+        </p:nvSpPr>
+        <p:spPr>
+          <a:xfrm rot="16200000">
+            <a:off x="-651922" y="1904932"/>
+            <a:ext cx="3846433" cy="369332"/>
+          </a:xfrm>
+          <a:prstGeom prst="rect">
+            <a:avLst/>
+          </a:prstGeom>
+          <a:noFill/>
+        </p:spPr>
+        <p:txBody>
+          <a:bodyPr wrap="square" rtlCol="0">
+            <a:spAutoFit/>
+          </a:bodyPr>
+          <a:lstStyle/>
+          <a:p>
+            <a:r>
+              <a:rPr lang="en-US" dirty="0" smtClean="0"/>
+              <a:t>Acrylic with every-other hole cut</a:t>
+            </a:r>
+            <a:endParaRPr lang="en-US" dirty="0"/>
+          </a:p>
+        </p:txBody>
+      </p:sp>
+      <p:sp>
+        <p:nvSpPr>
+          <p:cNvPr id="76" name="TextBox 75"/>
+          <p:cNvSpPr txBox="1"/>
+          <p:nvPr/>
+        </p:nvSpPr>
+        <p:spPr>
+          <a:xfrm rot="16200000">
+            <a:off x="6472779" y="1904932"/>
+            <a:ext cx="3846433" cy="369332"/>
+          </a:xfrm>
+          <a:prstGeom prst="rect">
+            <a:avLst/>
+          </a:prstGeom>
+          <a:noFill/>
+        </p:spPr>
+        <p:txBody>
+          <a:bodyPr wrap="square" rtlCol="0">
+            <a:spAutoFit/>
+          </a:bodyPr>
+          <a:lstStyle/>
+          <a:p>
+            <a:r>
+              <a:rPr lang="en-US" dirty="0" smtClean="0"/>
+              <a:t>Acrylic with every-other hole cut</a:t>
+            </a:r>
+            <a:endParaRPr lang="en-US" dirty="0"/>
+          </a:p>
+        </p:txBody>
+      </p:sp>
+      <p:sp>
+        <p:nvSpPr>
+          <p:cNvPr id="77" name="TextBox 76"/>
+          <p:cNvSpPr txBox="1"/>
+          <p:nvPr/>
+        </p:nvSpPr>
+        <p:spPr>
+          <a:xfrm rot="16200000">
+            <a:off x="-227505" y="1904932"/>
+            <a:ext cx="3846433" cy="369332"/>
+          </a:xfrm>
+          <a:prstGeom prst="rect">
+            <a:avLst/>
+          </a:prstGeom>
+          <a:noFill/>
+        </p:spPr>
+        <p:txBody>
+          <a:bodyPr wrap="square" rtlCol="0">
+            <a:spAutoFit/>
+          </a:bodyPr>
+          <a:lstStyle/>
+          <a:p>
+            <a:r>
+              <a:rPr lang="en-US" dirty="0" smtClean="0"/>
+              <a:t>Acrylic with every hole cut</a:t>
+            </a:r>
+            <a:endParaRPr lang="en-US" dirty="0"/>
+          </a:p>
+        </p:txBody>
+      </p:sp>
+      <p:sp>
+        <p:nvSpPr>
+          <p:cNvPr id="78" name="TextBox 77"/>
+          <p:cNvSpPr txBox="1"/>
+          <p:nvPr/>
+        </p:nvSpPr>
+        <p:spPr>
+          <a:xfrm rot="16200000">
+            <a:off x="2812163" y="1904932"/>
+            <a:ext cx="3846433" cy="369332"/>
+          </a:xfrm>
+          <a:prstGeom prst="rect">
+            <a:avLst/>
+          </a:prstGeom>
+          <a:noFill/>
+        </p:spPr>
+        <p:txBody>
+          <a:bodyPr wrap="square" rtlCol="0">
+            <a:spAutoFit/>
+          </a:bodyPr>
+          <a:lstStyle/>
+          <a:p>
+            <a:r>
+              <a:rPr lang="en-US" dirty="0" smtClean="0"/>
+              <a:t>Acrylic with every hole cut</a:t>
+            </a:r>
+            <a:endParaRPr lang="en-US" dirty="0"/>
+          </a:p>
+        </p:txBody>
+      </p:sp>
+      <p:sp>
+        <p:nvSpPr>
+          <p:cNvPr id="79" name="TextBox 78"/>
+          <p:cNvSpPr txBox="1"/>
+          <p:nvPr/>
+        </p:nvSpPr>
+        <p:spPr>
+          <a:xfrm rot="16200000">
+            <a:off x="6046296" y="1904932"/>
+            <a:ext cx="3846433" cy="369332"/>
+          </a:xfrm>
+          <a:prstGeom prst="rect">
+            <a:avLst/>
+          </a:prstGeom>
+          <a:noFill/>
+        </p:spPr>
+        <p:txBody>
+          <a:bodyPr wrap="square" rtlCol="0">
+            <a:spAutoFit/>
+          </a:bodyPr>
+          <a:lstStyle/>
+          <a:p>
+            <a:r>
+              <a:rPr lang="en-US" dirty="0" smtClean="0"/>
+              <a:t>Acrylic with every hole cut</a:t>
+            </a:r>
+            <a:endParaRPr lang="en-US" dirty="0"/>
+          </a:p>
+        </p:txBody>
+      </p:sp>
+      <p:sp>
+        <p:nvSpPr>
+          <p:cNvPr id="80" name="TextBox 79"/>
+          <p:cNvSpPr txBox="1"/>
+          <p:nvPr/>
+        </p:nvSpPr>
+        <p:spPr>
+          <a:xfrm rot="16200000">
+            <a:off x="7487112" y="2450199"/>
+            <a:ext cx="2755900" cy="369332"/>
+          </a:xfrm>
+          <a:prstGeom prst="rect">
+            <a:avLst/>
+          </a:prstGeom>
+          <a:noFill/>
+        </p:spPr>
+        <p:txBody>
+          <a:bodyPr wrap="square" rtlCol="0">
+            <a:spAutoFit/>
+          </a:bodyPr>
+          <a:lstStyle/>
+          <a:p>
+            <a:r>
+              <a:rPr lang="en-US" dirty="0" smtClean="0"/>
+              <a:t>U-shaped channel</a:t>
+            </a:r>
+            <a:endParaRPr lang="en-US" dirty="0"/>
+          </a:p>
+        </p:txBody>
+      </p:sp>
+      <p:sp>
+        <p:nvSpPr>
+          <p:cNvPr id="82" name="Block Arc 81"/>
+          <p:cNvSpPr/>
+          <p:nvPr/>
+        </p:nvSpPr>
+        <p:spPr>
+          <a:xfrm rot="5400000">
+            <a:off x="7969298" y="4212040"/>
+            <a:ext cx="1175890" cy="1159092"/>
+          </a:xfrm>
+          <a:prstGeom prst="blockArc">
+            <a:avLst>
+              <a:gd name="adj1" fmla="val 10800000"/>
+              <a:gd name="adj2" fmla="val 0"/>
+              <a:gd name="adj3" fmla="val 12947"/>
+            </a:avLst>
+          </a:prstGeom>
+        </p:spPr>
+        <p:style>
+          <a:lnRef idx="1">
+            <a:schemeClr val="accent6"/>
+          </a:lnRef>
+          <a:fillRef idx="2">
+            <a:schemeClr val="accent6"/>
+          </a:fillRef>
+          <a:effectRef idx="1">
+            <a:schemeClr val="accent6"/>
+          </a:effectRef>
+          <a:fontRef idx="minor">
+            <a:schemeClr val="dk1"/>
+          </a:fontRef>
+        </p:style>
+        <p:txBody>
+          <a:bodyPr rtlCol="0" anchor="ctr"/>
+          <a:lstStyle/>
+          <a:p>
+            <a:pPr algn="ctr"/>
+            <a:endParaRPr lang="en-US">
+              <a:solidFill>
+                <a:schemeClr val="tx1"/>
+              </a:solidFill>
+            </a:endParaRPr>
+          </a:p>
+        </p:txBody>
+      </p:sp>
+      <p:sp>
+        <p:nvSpPr>
+          <p:cNvPr id="83" name="Block Arc 82"/>
+          <p:cNvSpPr/>
+          <p:nvPr/>
+        </p:nvSpPr>
+        <p:spPr>
+          <a:xfrm rot="16200000">
+            <a:off x="484635" y="4212041"/>
+            <a:ext cx="1175890" cy="1159092"/>
+          </a:xfrm>
+          <a:prstGeom prst="blockArc">
+            <a:avLst>
+              <a:gd name="adj1" fmla="val 10800000"/>
+              <a:gd name="adj2" fmla="val 0"/>
+              <a:gd name="adj3" fmla="val 12947"/>
+            </a:avLst>
+          </a:prstGeom>
+        </p:spPr>
+        <p:style>
+          <a:lnRef idx="1">
+            <a:schemeClr val="accent6"/>
+          </a:lnRef>
+          <a:fillRef idx="2">
+            <a:schemeClr val="accent6"/>
+          </a:fillRef>
+          <a:effectRef idx="1">
+            <a:schemeClr val="accent6"/>
+          </a:effectRef>
+          <a:fontRef idx="minor">
+            <a:schemeClr val="dk1"/>
+          </a:fontRef>
+        </p:style>
+        <p:txBody>
+          <a:bodyPr rtlCol="0" anchor="ctr"/>
+          <a:lstStyle/>
+          <a:p>
+            <a:pPr algn="ctr"/>
+            <a:endParaRPr lang="en-US">
+              <a:solidFill>
+                <a:schemeClr val="tx1"/>
+              </a:solidFill>
+            </a:endParaRPr>
+          </a:p>
+        </p:txBody>
+      </p:sp>
+      <p:sp>
+        <p:nvSpPr>
+          <p:cNvPr id="84" name="TextBox 83"/>
+          <p:cNvSpPr txBox="1"/>
+          <p:nvPr/>
+        </p:nvSpPr>
+        <p:spPr>
+          <a:xfrm rot="2653184">
+            <a:off x="-45607" y="5518681"/>
+            <a:ext cx="1608247" cy="646331"/>
+          </a:xfrm>
+          <a:prstGeom prst="rect">
+            <a:avLst/>
+          </a:prstGeom>
+          <a:noFill/>
+        </p:spPr>
+        <p:txBody>
+          <a:bodyPr wrap="square" rtlCol="0">
+            <a:spAutoFit/>
+          </a:bodyPr>
+          <a:lstStyle/>
+          <a:p>
+            <a:r>
+              <a:rPr lang="en-US" dirty="0" smtClean="0"/>
+              <a:t>Solder all wires that come out</a:t>
+            </a:r>
+            <a:endParaRPr lang="en-US" dirty="0"/>
+          </a:p>
+        </p:txBody>
+      </p:sp>
+      <p:sp>
+        <p:nvSpPr>
+          <p:cNvPr id="85" name="TextBox 84"/>
+          <p:cNvSpPr txBox="1"/>
+          <p:nvPr/>
+        </p:nvSpPr>
+        <p:spPr>
+          <a:xfrm rot="20529450">
+            <a:off x="7416081" y="6027435"/>
+            <a:ext cx="1608247" cy="646331"/>
+          </a:xfrm>
+          <a:prstGeom prst="rect">
+            <a:avLst/>
+          </a:prstGeom>
+          <a:noFill/>
+        </p:spPr>
+        <p:txBody>
+          <a:bodyPr wrap="square" rtlCol="0">
+            <a:spAutoFit/>
+          </a:bodyPr>
+          <a:lstStyle/>
+          <a:p>
+            <a:r>
+              <a:rPr lang="en-US" dirty="0" smtClean="0"/>
+              <a:t>Solder all wires that come out</a:t>
+            </a:r>
+            <a:endParaRPr lang="en-US" dirty="0"/>
+          </a:p>
+        </p:txBody>
+      </p:sp>
+      <p:sp>
+        <p:nvSpPr>
+          <p:cNvPr id="88" name="Oval 87"/>
+          <p:cNvSpPr/>
+          <p:nvPr/>
+        </p:nvSpPr>
+        <p:spPr>
+          <a:xfrm>
+            <a:off x="1275780" y="3774772"/>
+            <a:ext cx="389046" cy="389046"/>
+          </a:xfrm>
+          <a:prstGeom prst="ellipse">
+            <a:avLst/>
+          </a:prstGeom>
+          <a:solidFill>
+            <a:schemeClr val="accent6">
+              <a:lumMod val="75000"/>
+            </a:schemeClr>
+          </a:solidFill>
+          <a:ln>
+            <a:solidFill>
+              <a:schemeClr val="accent6">
+                <a:lumMod val="50000"/>
+              </a:schemeClr>
+            </a:solidFill>
+          </a:ln>
+        </p:spPr>
+        <p:style>
+          <a:lnRef idx="1">
+            <a:schemeClr val="accent1"/>
+          </a:lnRef>
+          <a:fillRef idx="3">
+            <a:schemeClr val="accent1"/>
+          </a:fillRef>
+          <a:effectRef idx="2">
+            <a:schemeClr val="accent1"/>
+          </a:effectRef>
+          <a:fontRef idx="minor">
+            <a:schemeClr val="lt1"/>
+          </a:fontRef>
+        </p:style>
+        <p:txBody>
+          <a:bodyPr rtlCol="0" anchor="ctr"/>
+          <a:lstStyle/>
+          <a:p>
+            <a:pPr algn="ctr"/>
+            <a:endParaRPr lang="en-US"/>
+          </a:p>
+        </p:txBody>
+      </p:sp>
+      <p:sp>
+        <p:nvSpPr>
+          <p:cNvPr id="89" name="Oval 88"/>
+          <p:cNvSpPr/>
+          <p:nvPr/>
+        </p:nvSpPr>
+        <p:spPr>
+          <a:xfrm>
+            <a:off x="1283826" y="5452801"/>
+            <a:ext cx="389046" cy="389046"/>
+          </a:xfrm>
+          <a:prstGeom prst="ellipse">
+            <a:avLst/>
+          </a:prstGeom>
+          <a:solidFill>
+            <a:schemeClr val="accent6">
+              <a:lumMod val="75000"/>
+            </a:schemeClr>
+          </a:solidFill>
+          <a:ln>
+            <a:solidFill>
+              <a:schemeClr val="accent6">
+                <a:lumMod val="50000"/>
+              </a:schemeClr>
+            </a:solidFill>
+          </a:ln>
+        </p:spPr>
+        <p:style>
+          <a:lnRef idx="1">
+            <a:schemeClr val="accent1"/>
+          </a:lnRef>
+          <a:fillRef idx="3">
+            <a:schemeClr val="accent1"/>
+          </a:fillRef>
+          <a:effectRef idx="2">
+            <a:schemeClr val="accent1"/>
+          </a:effectRef>
+          <a:fontRef idx="minor">
+            <a:schemeClr val="lt1"/>
+          </a:fontRef>
+        </p:style>
+        <p:txBody>
+          <a:bodyPr rtlCol="0" anchor="ctr"/>
+          <a:lstStyle/>
+          <a:p>
+            <a:pPr algn="ctr"/>
+            <a:endParaRPr lang="en-US"/>
+          </a:p>
+        </p:txBody>
+      </p:sp>
+      <p:sp>
+        <p:nvSpPr>
+          <p:cNvPr id="90" name="Oval 89"/>
+          <p:cNvSpPr/>
+          <p:nvPr/>
+        </p:nvSpPr>
+        <p:spPr>
+          <a:xfrm>
+            <a:off x="7959655" y="3732649"/>
+            <a:ext cx="389046" cy="389046"/>
+          </a:xfrm>
+          <a:prstGeom prst="ellipse">
+            <a:avLst/>
+          </a:prstGeom>
+          <a:solidFill>
+            <a:schemeClr val="accent6">
+              <a:lumMod val="75000"/>
+            </a:schemeClr>
+          </a:solidFill>
+          <a:ln>
+            <a:solidFill>
+              <a:schemeClr val="accent6">
+                <a:lumMod val="50000"/>
+              </a:schemeClr>
+            </a:solidFill>
+          </a:ln>
+        </p:spPr>
+        <p:style>
+          <a:lnRef idx="1">
+            <a:schemeClr val="accent1"/>
+          </a:lnRef>
+          <a:fillRef idx="3">
+            <a:schemeClr val="accent1"/>
+          </a:fillRef>
+          <a:effectRef idx="2">
+            <a:schemeClr val="accent1"/>
+          </a:effectRef>
+          <a:fontRef idx="minor">
+            <a:schemeClr val="lt1"/>
+          </a:fontRef>
+        </p:style>
+        <p:txBody>
+          <a:bodyPr rtlCol="0" anchor="ctr"/>
+          <a:lstStyle/>
+          <a:p>
+            <a:pPr algn="ctr"/>
+            <a:endParaRPr lang="en-US"/>
+          </a:p>
+        </p:txBody>
+      </p:sp>
+      <p:sp>
+        <p:nvSpPr>
+          <p:cNvPr id="91" name="Oval 90"/>
+          <p:cNvSpPr/>
+          <p:nvPr/>
+        </p:nvSpPr>
+        <p:spPr>
+          <a:xfrm>
+            <a:off x="7977697" y="5439449"/>
+            <a:ext cx="389046" cy="389046"/>
+          </a:xfrm>
+          <a:prstGeom prst="ellipse">
+            <a:avLst/>
+          </a:prstGeom>
+          <a:solidFill>
+            <a:schemeClr val="accent6">
+              <a:lumMod val="75000"/>
+            </a:schemeClr>
+          </a:solidFill>
+          <a:ln>
+            <a:solidFill>
+              <a:schemeClr val="accent6">
+                <a:lumMod val="50000"/>
+              </a:schemeClr>
+            </a:solidFill>
+          </a:ln>
+        </p:spPr>
+        <p:style>
+          <a:lnRef idx="1">
+            <a:schemeClr val="accent1"/>
+          </a:lnRef>
+          <a:fillRef idx="3">
+            <a:schemeClr val="accent1"/>
+          </a:fillRef>
+          <a:effectRef idx="2">
+            <a:schemeClr val="accent1"/>
+          </a:effectRef>
+          <a:fontRef idx="minor">
+            <a:schemeClr val="lt1"/>
+          </a:fontRef>
+        </p:style>
+        <p:txBody>
+          <a:bodyPr rtlCol="0" anchor="ctr"/>
+          <a:lstStyle/>
+          <a:p>
+            <a:pPr algn="ctr"/>
+            <a:endParaRPr lang="en-US"/>
+          </a:p>
+        </p:txBody>
+      </p:sp>
+      <p:sp>
+        <p:nvSpPr>
+          <p:cNvPr id="92" name="TextBox 91"/>
+          <p:cNvSpPr txBox="1"/>
+          <p:nvPr/>
+        </p:nvSpPr>
+        <p:spPr>
+          <a:xfrm>
+            <a:off x="1672872" y="5824126"/>
+            <a:ext cx="3541045" cy="646331"/>
+          </a:xfrm>
+          <a:prstGeom prst="rect">
+            <a:avLst/>
+          </a:prstGeom>
+          <a:noFill/>
+        </p:spPr>
+        <p:txBody>
+          <a:bodyPr wrap="square" rtlCol="0">
+            <a:spAutoFit/>
+          </a:bodyPr>
+          <a:lstStyle/>
+          <a:p>
+            <a:r>
+              <a:rPr lang="en-US" dirty="0" smtClean="0"/>
+              <a:t>Orange fiberglass rods for rigidity</a:t>
+            </a:r>
+          </a:p>
+          <a:p>
+            <a:r>
+              <a:rPr lang="en-US" dirty="0" smtClean="0"/>
+              <a:t>2 per side</a:t>
+            </a:r>
+            <a:endParaRPr lang="en-US" dirty="0"/>
+          </a:p>
+        </p:txBody>
+      </p:sp>
+    </p:spTree>
+    <p:extLst>
+      <p:ext uri="{BB962C8B-B14F-4D97-AF65-F5344CB8AC3E}">
+        <p14:creationId xmlns:p14="http://schemas.microsoft.com/office/powerpoint/2010/main" val="367107409"/>
       </p:ext>
     </p:extLst>
   </p:cSld>
